--- a/presentation/render/career_progression.pptx
+++ b/presentation/render/career_progression.pptx
@@ -13,7 +13,7 @@
     <p:sldId id="261" r:id="rId7"/>
     <p:sldId id="262" r:id="rId8"/>
   </p:sldIdLst>
-  <p:sldSz cx="9144000" cy="6858000" type="screen4x3"/>
+  <p:sldSz cx="12192000" cy="6858000"/>
   <p:notesSz cx="6858000" cy="9144000"/>
   <p:defaultTextStyle>
     <a:defPPr>
@@ -113,12 +113,12 @@
   <p:extLst>
     <p:ext uri="{EFAFB233-063F-42B5-8137-9DF3F51BA10A}">
       <p15:sldGuideLst xmlns:p15="http://schemas.microsoft.com/office/powerpoint/2012/main">
-        <p15:guide id="1" orient="horz" pos="2160">
+        <p15:guide id="1" orient="horz" pos="2160" userDrawn="1">
           <p15:clr>
             <a:srgbClr val="A4A3A4"/>
           </p15:clr>
         </p15:guide>
-        <p15:guide id="2" pos="2880">
+        <p15:guide id="2" pos="3840" userDrawn="1">
           <p15:clr>
             <a:srgbClr val="A4A3A4"/>
           </p15:clr>
@@ -158,8 +158,8 @@
         </p:nvSpPr>
         <p:spPr>
           <a:xfrm>
-            <a:off x="685800" y="2130425"/>
-            <a:ext cx="7772400" cy="1470025"/>
+            <a:off x="914400" y="2130426"/>
+            <a:ext cx="10363200" cy="1470025"/>
           </a:xfrm>
         </p:spPr>
         <p:txBody>
@@ -167,10 +167,9 @@
           <a:lstStyle/>
           <a:p>
             <a:r>
-              <a:rPr lang="en-US" smtClean="0"/>
+              <a:rPr lang="en-US"/>
               <a:t>Click to edit Master title style</a:t>
             </a:r>
-            <a:endParaRPr lang="en-US"/>
           </a:p>
         </p:txBody>
       </p:sp>
@@ -186,8 +185,8 @@
         </p:nvSpPr>
         <p:spPr>
           <a:xfrm>
-            <a:off x="1371600" y="3886200"/>
-            <a:ext cx="6400800" cy="1752600"/>
+            <a:off x="1828800" y="3886200"/>
+            <a:ext cx="8534400" cy="1752600"/>
           </a:xfrm>
         </p:spPr>
         <p:txBody>
@@ -286,10 +285,9 @@
           </a:lstStyle>
           <a:p>
             <a:r>
-              <a:rPr lang="en-US" smtClean="0"/>
+              <a:rPr lang="en-US"/>
               <a:t>Click to edit Master subtitle style</a:t>
             </a:r>
-            <a:endParaRPr lang="en-US"/>
           </a:p>
         </p:txBody>
       </p:sp>
@@ -310,7 +308,7 @@
           <a:p>
             <a:fld id="{241EB5C9-1307-BA42-ABA2-0BC069CD8E7F}" type="datetimeFigureOut">
               <a:rPr lang="en-US" smtClean="0"/>
-              <a:t>4/5/2019</a:t>
+              <a:t>2021-11-07</a:t>
             </a:fld>
             <a:endParaRPr lang="en-US"/>
           </a:p>
@@ -404,10 +402,9 @@
           <a:lstStyle/>
           <a:p>
             <a:r>
-              <a:rPr lang="en-US" smtClean="0"/>
+              <a:rPr lang="en-US"/>
               <a:t>Click to edit Master title style</a:t>
             </a:r>
-            <a:endParaRPr lang="en-US"/>
           </a:p>
         </p:txBody>
       </p:sp>
@@ -428,38 +425,37 @@
           <a:p>
             <a:pPr lvl="0"/>
             <a:r>
-              <a:rPr lang="en-US" smtClean="0"/>
+              <a:rPr lang="en-US"/>
               <a:t>Click to edit Master text styles</a:t>
             </a:r>
           </a:p>
           <a:p>
             <a:pPr lvl="1"/>
             <a:r>
-              <a:rPr lang="en-US" smtClean="0"/>
+              <a:rPr lang="en-US"/>
               <a:t>Second level</a:t>
             </a:r>
           </a:p>
           <a:p>
             <a:pPr lvl="2"/>
             <a:r>
-              <a:rPr lang="en-US" smtClean="0"/>
+              <a:rPr lang="en-US"/>
               <a:t>Third level</a:t>
             </a:r>
           </a:p>
           <a:p>
             <a:pPr lvl="3"/>
             <a:r>
-              <a:rPr lang="en-US" smtClean="0"/>
+              <a:rPr lang="en-US"/>
               <a:t>Fourth level</a:t>
             </a:r>
           </a:p>
           <a:p>
             <a:pPr lvl="4"/>
             <a:r>
-              <a:rPr lang="en-US" smtClean="0"/>
+              <a:rPr lang="en-US"/>
               <a:t>Fifth level</a:t>
             </a:r>
-            <a:endParaRPr lang="en-US"/>
           </a:p>
         </p:txBody>
       </p:sp>
@@ -480,7 +476,7 @@
           <a:p>
             <a:fld id="{241EB5C9-1307-BA42-ABA2-0BC069CD8E7F}" type="datetimeFigureOut">
               <a:rPr lang="en-US" smtClean="0"/>
-              <a:t>4/5/2019</a:t>
+              <a:t>2021-11-07</a:t>
             </a:fld>
             <a:endParaRPr lang="en-US"/>
           </a:p>
@@ -570,8 +566,8 @@
         </p:nvSpPr>
         <p:spPr>
           <a:xfrm>
-            <a:off x="6629400" y="274638"/>
-            <a:ext cx="2057400" cy="5851525"/>
+            <a:off x="8839200" y="274639"/>
+            <a:ext cx="2743200" cy="5851525"/>
           </a:xfrm>
         </p:spPr>
         <p:txBody>
@@ -579,10 +575,9 @@
           <a:lstStyle/>
           <a:p>
             <a:r>
-              <a:rPr lang="en-US" smtClean="0"/>
+              <a:rPr lang="en-US"/>
               <a:t>Click to edit Master title style</a:t>
             </a:r>
-            <a:endParaRPr lang="en-US"/>
           </a:p>
         </p:txBody>
       </p:sp>
@@ -598,8 +593,8 @@
         </p:nvSpPr>
         <p:spPr>
           <a:xfrm>
-            <a:off x="457200" y="274638"/>
-            <a:ext cx="6019800" cy="5851525"/>
+            <a:off x="609600" y="274639"/>
+            <a:ext cx="8026400" cy="5851525"/>
           </a:xfrm>
         </p:spPr>
         <p:txBody>
@@ -608,38 +603,37 @@
           <a:p>
             <a:pPr lvl="0"/>
             <a:r>
-              <a:rPr lang="en-US" smtClean="0"/>
+              <a:rPr lang="en-US"/>
               <a:t>Click to edit Master text styles</a:t>
             </a:r>
           </a:p>
           <a:p>
             <a:pPr lvl="1"/>
             <a:r>
-              <a:rPr lang="en-US" smtClean="0"/>
+              <a:rPr lang="en-US"/>
               <a:t>Second level</a:t>
             </a:r>
           </a:p>
           <a:p>
             <a:pPr lvl="2"/>
             <a:r>
-              <a:rPr lang="en-US" smtClean="0"/>
+              <a:rPr lang="en-US"/>
               <a:t>Third level</a:t>
             </a:r>
           </a:p>
           <a:p>
             <a:pPr lvl="3"/>
             <a:r>
-              <a:rPr lang="en-US" smtClean="0"/>
+              <a:rPr lang="en-US"/>
               <a:t>Fourth level</a:t>
             </a:r>
           </a:p>
           <a:p>
             <a:pPr lvl="4"/>
             <a:r>
-              <a:rPr lang="en-US" smtClean="0"/>
+              <a:rPr lang="en-US"/>
               <a:t>Fifth level</a:t>
             </a:r>
-            <a:endParaRPr lang="en-US"/>
           </a:p>
         </p:txBody>
       </p:sp>
@@ -660,7 +654,7 @@
           <a:p>
             <a:fld id="{241EB5C9-1307-BA42-ABA2-0BC069CD8E7F}" type="datetimeFigureOut">
               <a:rPr lang="en-US" smtClean="0"/>
-              <a:t>4/5/2019</a:t>
+              <a:t>2021-11-07</a:t>
             </a:fld>
             <a:endParaRPr lang="en-US"/>
           </a:p>
@@ -754,10 +748,9 @@
           <a:lstStyle/>
           <a:p>
             <a:r>
-              <a:rPr lang="en-US" smtClean="0"/>
+              <a:rPr lang="en-US"/>
               <a:t>Click to edit Master title style</a:t>
             </a:r>
-            <a:endParaRPr lang="en-US"/>
           </a:p>
         </p:txBody>
       </p:sp>
@@ -778,38 +771,37 @@
           <a:p>
             <a:pPr lvl="0"/>
             <a:r>
-              <a:rPr lang="en-US" smtClean="0"/>
+              <a:rPr lang="en-US"/>
               <a:t>Click to edit Master text styles</a:t>
             </a:r>
           </a:p>
           <a:p>
             <a:pPr lvl="1"/>
             <a:r>
-              <a:rPr lang="en-US" smtClean="0"/>
+              <a:rPr lang="en-US"/>
               <a:t>Second level</a:t>
             </a:r>
           </a:p>
           <a:p>
             <a:pPr lvl="2"/>
             <a:r>
-              <a:rPr lang="en-US" smtClean="0"/>
+              <a:rPr lang="en-US"/>
               <a:t>Third level</a:t>
             </a:r>
           </a:p>
           <a:p>
             <a:pPr lvl="3"/>
             <a:r>
-              <a:rPr lang="en-US" smtClean="0"/>
+              <a:rPr lang="en-US"/>
               <a:t>Fourth level</a:t>
             </a:r>
           </a:p>
           <a:p>
             <a:pPr lvl="4"/>
             <a:r>
-              <a:rPr lang="en-US" smtClean="0"/>
+              <a:rPr lang="en-US"/>
               <a:t>Fifth level</a:t>
             </a:r>
-            <a:endParaRPr lang="en-US"/>
           </a:p>
         </p:txBody>
       </p:sp>
@@ -830,7 +822,7 @@
           <a:p>
             <a:fld id="{241EB5C9-1307-BA42-ABA2-0BC069CD8E7F}" type="datetimeFigureOut">
               <a:rPr lang="en-US" smtClean="0"/>
-              <a:t>4/5/2019</a:t>
+              <a:t>2021-11-07</a:t>
             </a:fld>
             <a:endParaRPr lang="en-US"/>
           </a:p>
@@ -920,8 +912,8 @@
         </p:nvSpPr>
         <p:spPr>
           <a:xfrm>
-            <a:off x="722313" y="4406900"/>
-            <a:ext cx="7772400" cy="1362075"/>
+            <a:off x="963084" y="4406901"/>
+            <a:ext cx="10363200" cy="1362075"/>
           </a:xfrm>
         </p:spPr>
         <p:txBody>
@@ -933,10 +925,9 @@
           </a:lstStyle>
           <a:p>
             <a:r>
-              <a:rPr lang="en-US" smtClean="0"/>
+              <a:rPr lang="en-US"/>
               <a:t>Click to edit Master title style</a:t>
             </a:r>
-            <a:endParaRPr lang="en-US"/>
           </a:p>
         </p:txBody>
       </p:sp>
@@ -952,8 +943,8 @@
         </p:nvSpPr>
         <p:spPr>
           <a:xfrm>
-            <a:off x="722313" y="2906713"/>
-            <a:ext cx="7772400" cy="1500187"/>
+            <a:off x="963084" y="2906713"/>
+            <a:ext cx="10363200" cy="1500187"/>
           </a:xfrm>
         </p:spPr>
         <p:txBody>
@@ -1053,7 +1044,7 @@
           <a:p>
             <a:pPr lvl="0"/>
             <a:r>
-              <a:rPr lang="en-US" smtClean="0"/>
+              <a:rPr lang="en-US"/>
               <a:t>Click to edit Master text styles</a:t>
             </a:r>
           </a:p>
@@ -1076,7 +1067,7 @@
           <a:p>
             <a:fld id="{241EB5C9-1307-BA42-ABA2-0BC069CD8E7F}" type="datetimeFigureOut">
               <a:rPr lang="en-US" smtClean="0"/>
-              <a:t>4/5/2019</a:t>
+              <a:t>2021-11-07</a:t>
             </a:fld>
             <a:endParaRPr lang="en-US"/>
           </a:p>
@@ -1170,10 +1161,9 @@
           <a:lstStyle/>
           <a:p>
             <a:r>
-              <a:rPr lang="en-US" smtClean="0"/>
+              <a:rPr lang="en-US"/>
               <a:t>Click to edit Master title style</a:t>
             </a:r>
-            <a:endParaRPr lang="en-US"/>
           </a:p>
         </p:txBody>
       </p:sp>
@@ -1189,8 +1179,8 @@
         </p:nvSpPr>
         <p:spPr>
           <a:xfrm>
-            <a:off x="457200" y="1600200"/>
-            <a:ext cx="4038600" cy="4525963"/>
+            <a:off x="609600" y="1600201"/>
+            <a:ext cx="5384800" cy="4525963"/>
           </a:xfrm>
         </p:spPr>
         <p:txBody>
@@ -1227,38 +1217,37 @@
           <a:p>
             <a:pPr lvl="0"/>
             <a:r>
-              <a:rPr lang="en-US" smtClean="0"/>
+              <a:rPr lang="en-US"/>
               <a:t>Click to edit Master text styles</a:t>
             </a:r>
           </a:p>
           <a:p>
             <a:pPr lvl="1"/>
             <a:r>
-              <a:rPr lang="en-US" smtClean="0"/>
+              <a:rPr lang="en-US"/>
               <a:t>Second level</a:t>
             </a:r>
           </a:p>
           <a:p>
             <a:pPr lvl="2"/>
             <a:r>
-              <a:rPr lang="en-US" smtClean="0"/>
+              <a:rPr lang="en-US"/>
               <a:t>Third level</a:t>
             </a:r>
           </a:p>
           <a:p>
             <a:pPr lvl="3"/>
             <a:r>
-              <a:rPr lang="en-US" smtClean="0"/>
+              <a:rPr lang="en-US"/>
               <a:t>Fourth level</a:t>
             </a:r>
           </a:p>
           <a:p>
             <a:pPr lvl="4"/>
             <a:r>
-              <a:rPr lang="en-US" smtClean="0"/>
+              <a:rPr lang="en-US"/>
               <a:t>Fifth level</a:t>
             </a:r>
-            <a:endParaRPr lang="en-US"/>
           </a:p>
         </p:txBody>
       </p:sp>
@@ -1274,8 +1263,8 @@
         </p:nvSpPr>
         <p:spPr>
           <a:xfrm>
-            <a:off x="4648200" y="1600200"/>
-            <a:ext cx="4038600" cy="4525963"/>
+            <a:off x="6197600" y="1600201"/>
+            <a:ext cx="5384800" cy="4525963"/>
           </a:xfrm>
         </p:spPr>
         <p:txBody>
@@ -1312,38 +1301,37 @@
           <a:p>
             <a:pPr lvl="0"/>
             <a:r>
-              <a:rPr lang="en-US" smtClean="0"/>
+              <a:rPr lang="en-US"/>
               <a:t>Click to edit Master text styles</a:t>
             </a:r>
           </a:p>
           <a:p>
             <a:pPr lvl="1"/>
             <a:r>
-              <a:rPr lang="en-US" smtClean="0"/>
+              <a:rPr lang="en-US"/>
               <a:t>Second level</a:t>
             </a:r>
           </a:p>
           <a:p>
             <a:pPr lvl="2"/>
             <a:r>
-              <a:rPr lang="en-US" smtClean="0"/>
+              <a:rPr lang="en-US"/>
               <a:t>Third level</a:t>
             </a:r>
           </a:p>
           <a:p>
             <a:pPr lvl="3"/>
             <a:r>
-              <a:rPr lang="en-US" smtClean="0"/>
+              <a:rPr lang="en-US"/>
               <a:t>Fourth level</a:t>
             </a:r>
           </a:p>
           <a:p>
             <a:pPr lvl="4"/>
             <a:r>
-              <a:rPr lang="en-US" smtClean="0"/>
+              <a:rPr lang="en-US"/>
               <a:t>Fifth level</a:t>
             </a:r>
-            <a:endParaRPr lang="en-US"/>
           </a:p>
         </p:txBody>
       </p:sp>
@@ -1364,7 +1352,7 @@
           <a:p>
             <a:fld id="{241EB5C9-1307-BA42-ABA2-0BC069CD8E7F}" type="datetimeFigureOut">
               <a:rPr lang="en-US" smtClean="0"/>
-              <a:t>4/5/2019</a:t>
+              <a:t>2021-11-07</a:t>
             </a:fld>
             <a:endParaRPr lang="en-US"/>
           </a:p>
@@ -1462,10 +1450,9 @@
           </a:lstStyle>
           <a:p>
             <a:r>
-              <a:rPr lang="en-US" smtClean="0"/>
+              <a:rPr lang="en-US"/>
               <a:t>Click to edit Master title style</a:t>
             </a:r>
-            <a:endParaRPr lang="en-US"/>
           </a:p>
         </p:txBody>
       </p:sp>
@@ -1481,8 +1468,8 @@
         </p:nvSpPr>
         <p:spPr>
           <a:xfrm>
-            <a:off x="457200" y="1535113"/>
-            <a:ext cx="4040188" cy="639762"/>
+            <a:off x="609600" y="1535113"/>
+            <a:ext cx="5386917" cy="639762"/>
           </a:xfrm>
         </p:spPr>
         <p:txBody>
@@ -1528,7 +1515,7 @@
           <a:p>
             <a:pPr lvl="0"/>
             <a:r>
-              <a:rPr lang="en-US" smtClean="0"/>
+              <a:rPr lang="en-US"/>
               <a:t>Click to edit Master text styles</a:t>
             </a:r>
           </a:p>
@@ -1546,8 +1533,8 @@
         </p:nvSpPr>
         <p:spPr>
           <a:xfrm>
-            <a:off x="457200" y="2174875"/>
-            <a:ext cx="4040188" cy="3951288"/>
+            <a:off x="609600" y="2174875"/>
+            <a:ext cx="5386917" cy="3951288"/>
           </a:xfrm>
         </p:spPr>
         <p:txBody>
@@ -1584,38 +1571,37 @@
           <a:p>
             <a:pPr lvl="0"/>
             <a:r>
-              <a:rPr lang="en-US" smtClean="0"/>
+              <a:rPr lang="en-US"/>
               <a:t>Click to edit Master text styles</a:t>
             </a:r>
           </a:p>
           <a:p>
             <a:pPr lvl="1"/>
             <a:r>
-              <a:rPr lang="en-US" smtClean="0"/>
+              <a:rPr lang="en-US"/>
               <a:t>Second level</a:t>
             </a:r>
           </a:p>
           <a:p>
             <a:pPr lvl="2"/>
             <a:r>
-              <a:rPr lang="en-US" smtClean="0"/>
+              <a:rPr lang="en-US"/>
               <a:t>Third level</a:t>
             </a:r>
           </a:p>
           <a:p>
             <a:pPr lvl="3"/>
             <a:r>
-              <a:rPr lang="en-US" smtClean="0"/>
+              <a:rPr lang="en-US"/>
               <a:t>Fourth level</a:t>
             </a:r>
           </a:p>
           <a:p>
             <a:pPr lvl="4"/>
             <a:r>
-              <a:rPr lang="en-US" smtClean="0"/>
+              <a:rPr lang="en-US"/>
               <a:t>Fifth level</a:t>
             </a:r>
-            <a:endParaRPr lang="en-US"/>
           </a:p>
         </p:txBody>
       </p:sp>
@@ -1631,8 +1617,8 @@
         </p:nvSpPr>
         <p:spPr>
           <a:xfrm>
-            <a:off x="4645025" y="1535113"/>
-            <a:ext cx="4041775" cy="639762"/>
+            <a:off x="6193368" y="1535113"/>
+            <a:ext cx="5389033" cy="639762"/>
           </a:xfrm>
         </p:spPr>
         <p:txBody>
@@ -1678,7 +1664,7 @@
           <a:p>
             <a:pPr lvl="0"/>
             <a:r>
-              <a:rPr lang="en-US" smtClean="0"/>
+              <a:rPr lang="en-US"/>
               <a:t>Click to edit Master text styles</a:t>
             </a:r>
           </a:p>
@@ -1696,8 +1682,8 @@
         </p:nvSpPr>
         <p:spPr>
           <a:xfrm>
-            <a:off x="4645025" y="2174875"/>
-            <a:ext cx="4041775" cy="3951288"/>
+            <a:off x="6193368" y="2174875"/>
+            <a:ext cx="5389033" cy="3951288"/>
           </a:xfrm>
         </p:spPr>
         <p:txBody>
@@ -1734,38 +1720,37 @@
           <a:p>
             <a:pPr lvl="0"/>
             <a:r>
-              <a:rPr lang="en-US" smtClean="0"/>
+              <a:rPr lang="en-US"/>
               <a:t>Click to edit Master text styles</a:t>
             </a:r>
           </a:p>
           <a:p>
             <a:pPr lvl="1"/>
             <a:r>
-              <a:rPr lang="en-US" smtClean="0"/>
+              <a:rPr lang="en-US"/>
               <a:t>Second level</a:t>
             </a:r>
           </a:p>
           <a:p>
             <a:pPr lvl="2"/>
             <a:r>
-              <a:rPr lang="en-US" smtClean="0"/>
+              <a:rPr lang="en-US"/>
               <a:t>Third level</a:t>
             </a:r>
           </a:p>
           <a:p>
             <a:pPr lvl="3"/>
             <a:r>
-              <a:rPr lang="en-US" smtClean="0"/>
+              <a:rPr lang="en-US"/>
               <a:t>Fourth level</a:t>
             </a:r>
           </a:p>
           <a:p>
             <a:pPr lvl="4"/>
             <a:r>
-              <a:rPr lang="en-US" smtClean="0"/>
+              <a:rPr lang="en-US"/>
               <a:t>Fifth level</a:t>
             </a:r>
-            <a:endParaRPr lang="en-US"/>
           </a:p>
         </p:txBody>
       </p:sp>
@@ -1786,7 +1771,7 @@
           <a:p>
             <a:fld id="{241EB5C9-1307-BA42-ABA2-0BC069CD8E7F}" type="datetimeFigureOut">
               <a:rPr lang="en-US" smtClean="0"/>
-              <a:t>4/5/2019</a:t>
+              <a:t>2021-11-07</a:t>
             </a:fld>
             <a:endParaRPr lang="en-US"/>
           </a:p>
@@ -1880,10 +1865,9 @@
           <a:lstStyle/>
           <a:p>
             <a:r>
-              <a:rPr lang="en-US" smtClean="0"/>
+              <a:rPr lang="en-US"/>
               <a:t>Click to edit Master title style</a:t>
             </a:r>
-            <a:endParaRPr lang="en-US"/>
           </a:p>
         </p:txBody>
       </p:sp>
@@ -1904,7 +1888,7 @@
           <a:p>
             <a:fld id="{241EB5C9-1307-BA42-ABA2-0BC069CD8E7F}" type="datetimeFigureOut">
               <a:rPr lang="en-US" smtClean="0"/>
-              <a:t>4/5/2019</a:t>
+              <a:t>2021-11-07</a:t>
             </a:fld>
             <a:endParaRPr lang="en-US"/>
           </a:p>
@@ -1999,7 +1983,7 @@
           <a:p>
             <a:fld id="{241EB5C9-1307-BA42-ABA2-0BC069CD8E7F}" type="datetimeFigureOut">
               <a:rPr lang="en-US" smtClean="0"/>
-              <a:t>4/5/2019</a:t>
+              <a:t>2021-11-07</a:t>
             </a:fld>
             <a:endParaRPr lang="en-US"/>
           </a:p>
@@ -2089,8 +2073,8 @@
         </p:nvSpPr>
         <p:spPr>
           <a:xfrm>
-            <a:off x="457200" y="273050"/>
-            <a:ext cx="3008313" cy="1162050"/>
+            <a:off x="609601" y="273050"/>
+            <a:ext cx="4011084" cy="1162050"/>
           </a:xfrm>
         </p:spPr>
         <p:txBody>
@@ -2102,10 +2086,9 @@
           </a:lstStyle>
           <a:p>
             <a:r>
-              <a:rPr lang="en-US" smtClean="0"/>
+              <a:rPr lang="en-US"/>
               <a:t>Click to edit Master title style</a:t>
             </a:r>
-            <a:endParaRPr lang="en-US"/>
           </a:p>
         </p:txBody>
       </p:sp>
@@ -2121,8 +2104,8 @@
         </p:nvSpPr>
         <p:spPr>
           <a:xfrm>
-            <a:off x="3575050" y="273050"/>
-            <a:ext cx="5111750" cy="5853113"/>
+            <a:off x="4766733" y="273051"/>
+            <a:ext cx="6815667" cy="5853113"/>
           </a:xfrm>
         </p:spPr>
         <p:txBody>
@@ -2159,38 +2142,37 @@
           <a:p>
             <a:pPr lvl="0"/>
             <a:r>
-              <a:rPr lang="en-US" smtClean="0"/>
+              <a:rPr lang="en-US"/>
               <a:t>Click to edit Master text styles</a:t>
             </a:r>
           </a:p>
           <a:p>
             <a:pPr lvl="1"/>
             <a:r>
-              <a:rPr lang="en-US" smtClean="0"/>
+              <a:rPr lang="en-US"/>
               <a:t>Second level</a:t>
             </a:r>
           </a:p>
           <a:p>
             <a:pPr lvl="2"/>
             <a:r>
-              <a:rPr lang="en-US" smtClean="0"/>
+              <a:rPr lang="en-US"/>
               <a:t>Third level</a:t>
             </a:r>
           </a:p>
           <a:p>
             <a:pPr lvl="3"/>
             <a:r>
-              <a:rPr lang="en-US" smtClean="0"/>
+              <a:rPr lang="en-US"/>
               <a:t>Fourth level</a:t>
             </a:r>
           </a:p>
           <a:p>
             <a:pPr lvl="4"/>
             <a:r>
-              <a:rPr lang="en-US" smtClean="0"/>
+              <a:rPr lang="en-US"/>
               <a:t>Fifth level</a:t>
             </a:r>
-            <a:endParaRPr lang="en-US"/>
           </a:p>
         </p:txBody>
       </p:sp>
@@ -2206,8 +2188,8 @@
         </p:nvSpPr>
         <p:spPr>
           <a:xfrm>
-            <a:off x="457200" y="1435100"/>
-            <a:ext cx="3008313" cy="4691063"/>
+            <a:off x="609601" y="1435101"/>
+            <a:ext cx="4011084" cy="4691063"/>
           </a:xfrm>
         </p:spPr>
         <p:txBody>
@@ -2253,7 +2235,7 @@
           <a:p>
             <a:pPr lvl="0"/>
             <a:r>
-              <a:rPr lang="en-US" smtClean="0"/>
+              <a:rPr lang="en-US"/>
               <a:t>Click to edit Master text styles</a:t>
             </a:r>
           </a:p>
@@ -2276,7 +2258,7 @@
           <a:p>
             <a:fld id="{241EB5C9-1307-BA42-ABA2-0BC069CD8E7F}" type="datetimeFigureOut">
               <a:rPr lang="en-US" smtClean="0"/>
-              <a:t>4/5/2019</a:t>
+              <a:t>2021-11-07</a:t>
             </a:fld>
             <a:endParaRPr lang="en-US"/>
           </a:p>
@@ -2366,8 +2348,8 @@
         </p:nvSpPr>
         <p:spPr>
           <a:xfrm>
-            <a:off x="1792288" y="4800600"/>
-            <a:ext cx="5486400" cy="566738"/>
+            <a:off x="2389717" y="4800600"/>
+            <a:ext cx="7315200" cy="566738"/>
           </a:xfrm>
         </p:spPr>
         <p:txBody>
@@ -2379,10 +2361,9 @@
           </a:lstStyle>
           <a:p>
             <a:r>
-              <a:rPr lang="en-US" smtClean="0"/>
+              <a:rPr lang="en-US"/>
               <a:t>Click to edit Master title style</a:t>
             </a:r>
-            <a:endParaRPr lang="en-US"/>
           </a:p>
         </p:txBody>
       </p:sp>
@@ -2398,8 +2379,8 @@
         </p:nvSpPr>
         <p:spPr>
           <a:xfrm>
-            <a:off x="1792288" y="612775"/>
-            <a:ext cx="5486400" cy="4114800"/>
+            <a:off x="2389717" y="612775"/>
+            <a:ext cx="7315200" cy="4114800"/>
           </a:xfrm>
         </p:spPr>
         <p:txBody>
@@ -2459,8 +2440,8 @@
         </p:nvSpPr>
         <p:spPr>
           <a:xfrm>
-            <a:off x="1792288" y="5367338"/>
-            <a:ext cx="5486400" cy="804862"/>
+            <a:off x="2389717" y="5367338"/>
+            <a:ext cx="7315200" cy="804862"/>
           </a:xfrm>
         </p:spPr>
         <p:txBody>
@@ -2506,7 +2487,7 @@
           <a:p>
             <a:pPr lvl="0"/>
             <a:r>
-              <a:rPr lang="en-US" smtClean="0"/>
+              <a:rPr lang="en-US"/>
               <a:t>Click to edit Master text styles</a:t>
             </a:r>
           </a:p>
@@ -2529,7 +2510,7 @@
           <a:p>
             <a:fld id="{241EB5C9-1307-BA42-ABA2-0BC069CD8E7F}" type="datetimeFigureOut">
               <a:rPr lang="en-US" smtClean="0"/>
-              <a:t>4/5/2019</a:t>
+              <a:t>2021-11-07</a:t>
             </a:fld>
             <a:endParaRPr lang="en-US"/>
           </a:p>
@@ -2624,8 +2605,8 @@
         </p:nvSpPr>
         <p:spPr>
           <a:xfrm>
-            <a:off x="457200" y="274638"/>
-            <a:ext cx="8229600" cy="1143000"/>
+            <a:off x="609600" y="274638"/>
+            <a:ext cx="10972800" cy="1143000"/>
           </a:xfrm>
           <a:prstGeom prst="rect">
             <a:avLst/>
@@ -2638,10 +2619,9 @@
           <a:lstStyle/>
           <a:p>
             <a:r>
-              <a:rPr lang="en-US" smtClean="0"/>
+              <a:rPr lang="en-US"/>
               <a:t>Click to edit Master title style</a:t>
             </a:r>
-            <a:endParaRPr lang="en-US"/>
           </a:p>
         </p:txBody>
       </p:sp>
@@ -2657,8 +2637,8 @@
         </p:nvSpPr>
         <p:spPr>
           <a:xfrm>
-            <a:off x="457200" y="1600200"/>
-            <a:ext cx="8229600" cy="4525963"/>
+            <a:off x="609600" y="1600201"/>
+            <a:ext cx="10972800" cy="4525963"/>
           </a:xfrm>
           <a:prstGeom prst="rect">
             <a:avLst/>
@@ -2672,38 +2652,37 @@
           <a:p>
             <a:pPr lvl="0"/>
             <a:r>
-              <a:rPr lang="en-US" smtClean="0"/>
+              <a:rPr lang="en-US"/>
               <a:t>Click to edit Master text styles</a:t>
             </a:r>
           </a:p>
           <a:p>
             <a:pPr lvl="1"/>
             <a:r>
-              <a:rPr lang="en-US" smtClean="0"/>
+              <a:rPr lang="en-US"/>
               <a:t>Second level</a:t>
             </a:r>
           </a:p>
           <a:p>
             <a:pPr lvl="2"/>
             <a:r>
-              <a:rPr lang="en-US" smtClean="0"/>
+              <a:rPr lang="en-US"/>
               <a:t>Third level</a:t>
             </a:r>
           </a:p>
           <a:p>
             <a:pPr lvl="3"/>
             <a:r>
-              <a:rPr lang="en-US" smtClean="0"/>
+              <a:rPr lang="en-US"/>
               <a:t>Fourth level</a:t>
             </a:r>
           </a:p>
           <a:p>
             <a:pPr lvl="4"/>
             <a:r>
-              <a:rPr lang="en-US" smtClean="0"/>
+              <a:rPr lang="en-US"/>
               <a:t>Fifth level</a:t>
             </a:r>
-            <a:endParaRPr lang="en-US"/>
           </a:p>
         </p:txBody>
       </p:sp>
@@ -2719,8 +2698,8 @@
         </p:nvSpPr>
         <p:spPr>
           <a:xfrm>
-            <a:off x="457200" y="6356350"/>
-            <a:ext cx="2133600" cy="365125"/>
+            <a:off x="609600" y="6356351"/>
+            <a:ext cx="2844800" cy="365125"/>
           </a:xfrm>
           <a:prstGeom prst="rect">
             <a:avLst/>
@@ -2742,7 +2721,7 @@
           <a:p>
             <a:fld id="{241EB5C9-1307-BA42-ABA2-0BC069CD8E7F}" type="datetimeFigureOut">
               <a:rPr lang="en-US" smtClean="0"/>
-              <a:t>4/5/2019</a:t>
+              <a:t>2021-11-07</a:t>
             </a:fld>
             <a:endParaRPr lang="en-US"/>
           </a:p>
@@ -2760,8 +2739,8 @@
         </p:nvSpPr>
         <p:spPr>
           <a:xfrm>
-            <a:off x="3124200" y="6356350"/>
-            <a:ext cx="2895600" cy="365125"/>
+            <a:off x="4165600" y="6356351"/>
+            <a:ext cx="3860800" cy="365125"/>
           </a:xfrm>
           <a:prstGeom prst="rect">
             <a:avLst/>
@@ -2797,8 +2776,8 @@
         </p:nvSpPr>
         <p:spPr>
           <a:xfrm>
-            <a:off x="6553200" y="6356350"/>
-            <a:ext cx="2133600" cy="365125"/>
+            <a:off x="8737600" y="6356351"/>
+            <a:ext cx="2844800" cy="365125"/>
           </a:xfrm>
           <a:prstGeom prst="rect">
             <a:avLst/>

--- a/presentation/render/career_progression.pptx
+++ b/presentation/render/career_progression.pptx
@@ -12,6 +12,7 @@
     <p:sldId id="260" r:id="rId6"/>
     <p:sldId id="261" r:id="rId7"/>
     <p:sldId id="262" r:id="rId8"/>
+    <p:sldId id="263" r:id="rId9"/>
   </p:sldIdLst>
   <p:sldSz cx="12192000" cy="6858000"/>
   <p:notesSz cx="6858000" cy="9144000"/>
@@ -2619,7 +2620,7 @@
           <a:lstStyle/>
           <a:p>
             <a:r>
-              <a:rPr lang="en-US"/>
+              <a:rPr dirty="0" lang="en-US"/>
               <a:t>Click to edit Master title style</a:t>
             </a:r>
           </a:p>
@@ -2835,7 +2836,7 @@
         <a:buNone/>
         <a:defRPr kern="1200" sz="4400">
           <a:solidFill>
-            <a:schemeClr val="tx1"/>
+            <a:srgbClr val="002060"/>
           </a:solidFill>
           <a:latin typeface="+mj-lt"/>
           <a:ea typeface="+mj-ea"/>
@@ -3098,12 +3099,12 @@
       </p:grpSpPr>
       <p:sp>
         <p:nvSpPr>
-          <p:cNvPr id="2" name="Title 1"/>
-          <p:cNvSpPr>
-            <a:spLocks noGrp="1"/>
-          </p:cNvSpPr>
-          <p:nvPr>
-            <p:ph type="title"/>
+          <p:cNvPr id="3" name="Content Placeholder 2"/>
+          <p:cNvSpPr>
+            <a:spLocks noGrp="1"/>
+          </p:cNvSpPr>
+          <p:nvPr>
+            <p:ph idx="1"/>
           </p:nvPr>
         </p:nvSpPr>
         <p:spPr/>
@@ -3116,68 +3117,7 @@
             </a:pPr>
             <a:r>
               <a:rPr/>
-              <a:t>Software</a:t>
-            </a:r>
-            <a:r>
-              <a:rPr/>
-              <a:t> </a:t>
-            </a:r>
-            <a:r>
-              <a:rPr/>
-              <a:t>Engineering</a:t>
-            </a:r>
-            <a:r>
-              <a:rPr/>
-              <a:t> </a:t>
-            </a:r>
-            <a:r>
-              <a:rPr/>
-              <a:t>Systems</a:t>
-            </a:r>
-            <a:r>
-              <a:rPr/>
-              <a:t> </a:t>
-            </a:r>
-            <a:r>
-              <a:rPr/>
-              <a:t>Career</a:t>
-            </a:r>
-            <a:r>
-              <a:rPr/>
-              <a:t> </a:t>
-            </a:r>
-            <a:r>
-              <a:rPr/>
-              <a:t>Progression</a:t>
-            </a:r>
-          </a:p>
-        </p:txBody>
-      </p:sp>
-      <p:sp>
-        <p:nvSpPr>
-          <p:cNvPr id="3" name="Content Placeholder 2"/>
-          <p:cNvSpPr>
-            <a:spLocks noGrp="1"/>
-          </p:cNvSpPr>
-          <p:nvPr>
-            <p:ph idx="1"/>
-          </p:nvPr>
-        </p:nvSpPr>
-        <p:spPr/>
-        <p:txBody>
-          <a:bodyPr/>
-          <a:lstStyle/>
-          <a:p>
-            <a:pPr lvl="0" marL="0" indent="0">
-              <a:buNone/>
-            </a:pPr>
-            <a:r>
-              <a:rPr/>
-              <a:t>Chéyo Jiménez, MSE </a:t>
-            </a:r>
-            <a:r>
-              <a:rPr i="1"/>
-              <a:t>Oct, 2021</a:t>
+              <a:t>marp: true</a:t>
             </a:r>
           </a:p>
         </p:txBody>
@@ -3224,7 +3164,7 @@
             </a:pPr>
             <a:r>
               <a:rPr/>
-              <a:t>What</a:t>
+              <a:t>Software</a:t>
             </a:r>
             <a:r>
               <a:rPr/>
@@ -3232,7 +3172,7 @@
             </a:r>
             <a:r>
               <a:rPr/>
-              <a:t>is</a:t>
+              <a:t>Engineering</a:t>
             </a:r>
             <a:r>
               <a:rPr/>
@@ -3240,7 +3180,7 @@
             </a:r>
             <a:r>
               <a:rPr/>
-              <a:t>in</a:t>
+              <a:t>Systems</a:t>
             </a:r>
             <a:r>
               <a:rPr/>
@@ -3248,7 +3188,7 @@
             </a:r>
             <a:r>
               <a:rPr/>
-              <a:t>scope</a:t>
+              <a:t>Career</a:t>
             </a:r>
             <a:r>
               <a:rPr/>
@@ -3256,23 +3196,7 @@
             </a:r>
             <a:r>
               <a:rPr/>
-              <a:t>for</a:t>
-            </a:r>
-            <a:r>
-              <a:rPr/>
-              <a:t> </a:t>
-            </a:r>
-            <a:r>
-              <a:rPr/>
-              <a:t>this</a:t>
-            </a:r>
-            <a:r>
-              <a:rPr/>
-              <a:t> </a:t>
-            </a:r>
-            <a:r>
-              <a:rPr/>
-              <a:t>talk?</a:t>
+              <a:t>Progression</a:t>
             </a:r>
           </a:p>
         </p:txBody>
@@ -3292,10 +3216,16 @@
           <a:bodyPr/>
           <a:lstStyle/>
           <a:p>
-            <a:pPr lvl="1"/>
-            <a:r>
-              <a:rPr/>
-              <a:t>Personal thoughts about SE career progression</a:t>
+            <a:pPr lvl="0" marL="0" indent="0">
+              <a:buNone/>
+            </a:pPr>
+            <a:r>
+              <a:rPr/>
+              <a:t>Chéyo Jiménez, MSE </a:t>
+            </a:r>
+            <a:r>
+              <a:rPr i="1"/>
+              <a:t>Oct, 2021</a:t>
             </a:r>
           </a:p>
         </p:txBody>
@@ -3358,7 +3288,7 @@
             </a:r>
             <a:r>
               <a:rPr/>
-              <a:t>out</a:t>
+              <a:t>in</a:t>
             </a:r>
             <a:r>
               <a:rPr/>
@@ -3366,7 +3296,7 @@
             </a:r>
             <a:r>
               <a:rPr/>
-              <a:t>of</a:t>
+              <a:t>scope</a:t>
             </a:r>
             <a:r>
               <a:rPr/>
@@ -3374,7 +3304,7 @@
             </a:r>
             <a:r>
               <a:rPr/>
-              <a:t>scope</a:t>
+              <a:t>for</a:t>
             </a:r>
             <a:r>
               <a:rPr/>
@@ -3382,7 +3312,7 @@
             </a:r>
             <a:r>
               <a:rPr/>
-              <a:t>for</a:t>
+              <a:t>this</a:t>
             </a:r>
             <a:r>
               <a:rPr/>
@@ -3390,15 +3320,7 @@
             </a:r>
             <a:r>
               <a:rPr/>
-              <a:t>this</a:t>
-            </a:r>
-            <a:r>
-              <a:rPr/>
-              <a:t> </a:t>
-            </a:r>
-            <a:r>
-              <a:rPr/>
-              <a:t>talks?</a:t>
+              <a:t>talk?</a:t>
             </a:r>
           </a:p>
         </p:txBody>
@@ -3421,14 +3343,7 @@
             <a:pPr lvl="1"/>
             <a:r>
               <a:rPr/>
-              <a:t>This wont cover all use cases</a:t>
-            </a:r>
-          </a:p>
-          <a:p>
-            <a:pPr lvl="1"/>
-            <a:r>
-              <a:rPr/>
-              <a:t>Every company is different, not way to make guidance apply equally</a:t>
+              <a:t>Personal thoughts about SE career progression</a:t>
             </a:r>
           </a:p>
         </p:txBody>
@@ -3475,7 +3390,7 @@
             </a:pPr>
             <a:r>
               <a:rPr/>
-              <a:t>People</a:t>
+              <a:t>What</a:t>
             </a:r>
             <a:r>
               <a:rPr/>
@@ -3483,7 +3398,55 @@
             </a:r>
             <a:r>
               <a:rPr/>
-              <a:t>Systems</a:t>
+              <a:t>is</a:t>
+            </a:r>
+            <a:r>
+              <a:rPr/>
+              <a:t> </a:t>
+            </a:r>
+            <a:r>
+              <a:rPr/>
+              <a:t>out</a:t>
+            </a:r>
+            <a:r>
+              <a:rPr/>
+              <a:t> </a:t>
+            </a:r>
+            <a:r>
+              <a:rPr/>
+              <a:t>of</a:t>
+            </a:r>
+            <a:r>
+              <a:rPr/>
+              <a:t> </a:t>
+            </a:r>
+            <a:r>
+              <a:rPr/>
+              <a:t>scope</a:t>
+            </a:r>
+            <a:r>
+              <a:rPr/>
+              <a:t> </a:t>
+            </a:r>
+            <a:r>
+              <a:rPr/>
+              <a:t>for</a:t>
+            </a:r>
+            <a:r>
+              <a:rPr/>
+              <a:t> </a:t>
+            </a:r>
+            <a:r>
+              <a:rPr/>
+              <a:t>this</a:t>
+            </a:r>
+            <a:r>
+              <a:rPr/>
+              <a:t> </a:t>
+            </a:r>
+            <a:r>
+              <a:rPr/>
+              <a:t>talks?</a:t>
             </a:r>
           </a:p>
         </p:txBody>
@@ -3503,21 +3466,17 @@
           <a:bodyPr/>
           <a:lstStyle/>
           <a:p>
-            <a:pPr lvl="0" marL="1270000" indent="0">
-              <a:buNone/>
-            </a:pPr>
-            <a:r>
-              <a:rPr sz="2000"/>
-              <a:t>An important truth that’s often hard for software engineers to understand: technical systems are mostly made of people. The people who design the product. The people who write the code. The people who maintain the code. The people who use the product. Technical artifacts are transient edges. The nodes they connect are human beings. So take care of your people. Have empathy for your users, have empathy for your team. Create people-centric systems. This is always my #1 piece of advice to software engineers. And usually the most disregarded one</a:t>
-            </a:r>
-          </a:p>
-          <a:p>
-            <a:pPr lvl="0" marL="1270000" indent="0">
-              <a:buNone/>
-            </a:pPr>
-            <a:r>
-              <a:rPr sz="2000"/>
-              <a:t>François Chollet @fchollet Jul 7, 2021</a:t>
+            <a:pPr lvl="1"/>
+            <a:r>
+              <a:rPr/>
+              <a:t>This wont cover all use cases</a:t>
+            </a:r>
+          </a:p>
+          <a:p>
+            <a:pPr lvl="1"/>
+            <a:r>
+              <a:rPr/>
+              <a:t>Every company is different, not way to make guidance apply equally</a:t>
             </a:r>
           </a:p>
         </p:txBody>
@@ -3574,38 +3533,6 @@
               <a:rPr/>
               <a:t>Systems</a:t>
             </a:r>
-            <a:r>
-              <a:rPr/>
-              <a:t> </a:t>
-            </a:r>
-            <a:r>
-              <a:rPr/>
-              <a:t>from</a:t>
-            </a:r>
-            <a:r>
-              <a:rPr/>
-              <a:t> </a:t>
-            </a:r>
-            <a:r>
-              <a:rPr/>
-              <a:t>a</a:t>
-            </a:r>
-            <a:r>
-              <a:rPr/>
-              <a:t> </a:t>
-            </a:r>
-            <a:r>
-              <a:rPr/>
-              <a:t>company</a:t>
-            </a:r>
-            <a:r>
-              <a:rPr/>
-              <a:t> </a:t>
-            </a:r>
-            <a:r>
-              <a:rPr/>
-              <a:t>perspective</a:t>
-            </a:r>
           </a:p>
         </p:txBody>
       </p:sp>
@@ -3624,17 +3551,21 @@
           <a:bodyPr/>
           <a:lstStyle/>
           <a:p>
-            <a:pPr lvl="1"/>
-            <a:r>
-              <a:rPr/>
-              <a:t>People are either inside the company or outside.</a:t>
-            </a:r>
-          </a:p>
-          <a:p>
-            <a:pPr lvl="1"/>
-            <a:r>
-              <a:rPr/>
-              <a:t>Inside people makes services and products for outside people.</a:t>
+            <a:pPr lvl="0" marL="1270000" indent="0">
+              <a:buNone/>
+            </a:pPr>
+            <a:r>
+              <a:rPr sz="2000"/>
+              <a:t>An important truth that’s often hard for software engineers to understand: technical systems are mostly made of people. The people who design the product. The people who write the code. The people who maintain the code. The people who use the product. Technical artifacts are transient edges. The nodes they connect are human beings. So take care of your people. Have empathy for your users, have empathy for your team. Create people-centric systems. This is always my #1 piece of advice to software engineers. And usually the most disregarded one</a:t>
+            </a:r>
+          </a:p>
+          <a:p>
+            <a:pPr lvl="0" marL="1270000" indent="0">
+              <a:buNone/>
+            </a:pPr>
+            <a:r>
+              <a:rPr sz="2000"/>
+              <a:t>François Chollet @fchollet Jul 7, 2021</a:t>
             </a:r>
           </a:p>
         </p:txBody>
@@ -3689,7 +3620,7 @@
             </a:r>
             <a:r>
               <a:rPr/>
-              <a:t>Systems:</a:t>
+              <a:t>Systems</a:t>
             </a:r>
             <a:r>
               <a:rPr/>
@@ -3697,7 +3628,7 @@
             </a:r>
             <a:r>
               <a:rPr/>
-              <a:t>Who</a:t>
+              <a:t>from</a:t>
             </a:r>
             <a:r>
               <a:rPr/>
@@ -3705,7 +3636,7 @@
             </a:r>
             <a:r>
               <a:rPr/>
-              <a:t>we</a:t>
+              <a:t>a</a:t>
             </a:r>
             <a:r>
               <a:rPr/>
@@ -3713,7 +3644,7 @@
             </a:r>
             <a:r>
               <a:rPr/>
-              <a:t>do</a:t>
+              <a:t>company</a:t>
             </a:r>
             <a:r>
               <a:rPr/>
@@ -3721,15 +3652,7 @@
             </a:r>
             <a:r>
               <a:rPr/>
-              <a:t>business</a:t>
-            </a:r>
-            <a:r>
-              <a:rPr/>
-              <a:t> </a:t>
-            </a:r>
-            <a:r>
-              <a:rPr/>
-              <a:t>with?</a:t>
+              <a:t>perspective</a:t>
             </a:r>
           </a:p>
         </p:txBody>
@@ -3752,56 +3675,14 @@
             <a:pPr lvl="1"/>
             <a:r>
               <a:rPr/>
-              <a:t>People who gives us money</a:t>
-            </a:r>
-          </a:p>
-          <a:p>
-            <a:pPr lvl="2"/>
-            <a:r>
-              <a:rPr/>
-              <a:t>Customers</a:t>
-            </a:r>
-          </a:p>
-          <a:p>
-            <a:pPr lvl="2"/>
-            <a:r>
-              <a:rPr/>
-              <a:t>Stock holders</a:t>
+              <a:t>People are either inside the company or outside.</a:t>
             </a:r>
           </a:p>
           <a:p>
             <a:pPr lvl="1"/>
             <a:r>
               <a:rPr/>
-              <a:t>People who take our money</a:t>
-            </a:r>
-          </a:p>
-          <a:p>
-            <a:pPr lvl="2"/>
-            <a:r>
-              <a:rPr/>
-              <a:t>Vendors we buy services and things from</a:t>
-            </a:r>
-          </a:p>
-          <a:p>
-            <a:pPr lvl="3"/>
-            <a:r>
-              <a:rPr/>
-              <a:t>Some vendor teams work inside of companies but they are not really considered inside people.</a:t>
-            </a:r>
-          </a:p>
-          <a:p>
-            <a:pPr lvl="2"/>
-            <a:r>
-              <a:rPr/>
-              <a:t>Governments (Taxes)</a:t>
-            </a:r>
-          </a:p>
-          <a:p>
-            <a:pPr lvl="2"/>
-            <a:r>
-              <a:rPr/>
-              <a:t>Our employees (We treat these people as inside people)</a:t>
+              <a:t>Inside people makes services and products for outside people.</a:t>
             </a:r>
           </a:p>
         </p:txBody>
@@ -3812,6 +3693,173 @@
 </file>
 
 <file path=ppt/slides/slide7.xml><?xml version="1.0" encoding="utf-8"?>
+<p:sld xmlns:a="http://schemas.openxmlformats.org/drawingml/2006/main" xmlns:r="http://schemas.openxmlformats.org/officeDocument/2006/relationships" xmlns:p="http://schemas.openxmlformats.org/presentationml/2006/main">
+  <p:cSld>
+    <p:spTree>
+      <p:nvGrpSpPr>
+        <p:cNvPr id="1" name=""/>
+        <p:cNvGrpSpPr/>
+        <p:nvPr/>
+      </p:nvGrpSpPr>
+      <p:grpSpPr>
+        <a:xfrm>
+          <a:off x="0" y="0"/>
+          <a:ext cx="0" cy="0"/>
+          <a:chOff x="0" y="0"/>
+          <a:chExt cx="0" cy="0"/>
+        </a:xfrm>
+      </p:grpSpPr>
+      <p:sp>
+        <p:nvSpPr>
+          <p:cNvPr id="2" name="Title 1"/>
+          <p:cNvSpPr>
+            <a:spLocks noGrp="1"/>
+          </p:cNvSpPr>
+          <p:nvPr>
+            <p:ph type="title"/>
+          </p:nvPr>
+        </p:nvSpPr>
+        <p:spPr/>
+        <p:txBody>
+          <a:bodyPr/>
+          <a:lstStyle/>
+          <a:p>
+            <a:pPr lvl="0" marL="0" indent="0">
+              <a:buNone/>
+            </a:pPr>
+            <a:r>
+              <a:rPr/>
+              <a:t>People</a:t>
+            </a:r>
+            <a:r>
+              <a:rPr/>
+              <a:t> </a:t>
+            </a:r>
+            <a:r>
+              <a:rPr/>
+              <a:t>Systems:</a:t>
+            </a:r>
+            <a:r>
+              <a:rPr/>
+              <a:t> </a:t>
+            </a:r>
+            <a:r>
+              <a:rPr/>
+              <a:t>Who</a:t>
+            </a:r>
+            <a:r>
+              <a:rPr/>
+              <a:t> </a:t>
+            </a:r>
+            <a:r>
+              <a:rPr/>
+              <a:t>we</a:t>
+            </a:r>
+            <a:r>
+              <a:rPr/>
+              <a:t> </a:t>
+            </a:r>
+            <a:r>
+              <a:rPr/>
+              <a:t>do</a:t>
+            </a:r>
+            <a:r>
+              <a:rPr/>
+              <a:t> </a:t>
+            </a:r>
+            <a:r>
+              <a:rPr/>
+              <a:t>business</a:t>
+            </a:r>
+            <a:r>
+              <a:rPr/>
+              <a:t> </a:t>
+            </a:r>
+            <a:r>
+              <a:rPr/>
+              <a:t>with?</a:t>
+            </a:r>
+          </a:p>
+        </p:txBody>
+      </p:sp>
+      <p:sp>
+        <p:nvSpPr>
+          <p:cNvPr id="3" name="Content Placeholder 2"/>
+          <p:cNvSpPr>
+            <a:spLocks noGrp="1"/>
+          </p:cNvSpPr>
+          <p:nvPr>
+            <p:ph idx="1"/>
+          </p:nvPr>
+        </p:nvSpPr>
+        <p:spPr/>
+        <p:txBody>
+          <a:bodyPr/>
+          <a:lstStyle/>
+          <a:p>
+            <a:pPr lvl="1"/>
+            <a:r>
+              <a:rPr/>
+              <a:t>People who gives us money</a:t>
+            </a:r>
+          </a:p>
+          <a:p>
+            <a:pPr lvl="2"/>
+            <a:r>
+              <a:rPr/>
+              <a:t>Customers</a:t>
+            </a:r>
+          </a:p>
+          <a:p>
+            <a:pPr lvl="2"/>
+            <a:r>
+              <a:rPr/>
+              <a:t>Stock holders</a:t>
+            </a:r>
+          </a:p>
+          <a:p>
+            <a:pPr lvl="1"/>
+            <a:r>
+              <a:rPr/>
+              <a:t>People who take our money</a:t>
+            </a:r>
+          </a:p>
+          <a:p>
+            <a:pPr lvl="2"/>
+            <a:r>
+              <a:rPr/>
+              <a:t>Vendors we buy services and things from</a:t>
+            </a:r>
+          </a:p>
+          <a:p>
+            <a:pPr lvl="3"/>
+            <a:r>
+              <a:rPr/>
+              <a:t>Some vendor teams work inside of companies but they are not really considered inside people.</a:t>
+            </a:r>
+          </a:p>
+          <a:p>
+            <a:pPr lvl="2"/>
+            <a:r>
+              <a:rPr/>
+              <a:t>Governments (Taxes)</a:t>
+            </a:r>
+          </a:p>
+          <a:p>
+            <a:pPr lvl="2"/>
+            <a:r>
+              <a:rPr/>
+              <a:t>Our employees (We treat these people as inside people)</a:t>
+            </a:r>
+          </a:p>
+        </p:txBody>
+      </p:sp>
+    </p:spTree>
+  </p:cSld>
+</p:sld>
+</file>
+
+<file path=ppt/slides/slide8.xml><?xml version="1.0" encoding="utf-8"?>
 <p:sld xmlns:a="http://schemas.openxmlformats.org/drawingml/2006/main" xmlns:r="http://schemas.openxmlformats.org/officeDocument/2006/relationships" xmlns:p="http://schemas.openxmlformats.org/presentationml/2006/main">
   <p:cSld>
     <p:spTree>
